--- a/Later/Java_Later/MongoDB_2/71/Understanding Impact of Indexes.pptx
+++ b/Later/Java_Later/MongoDB_2/71/Understanding Impact of Indexes.pptx
@@ -4403,7 +4403,7 @@
         <p:spPr>
           <a:xfrm>
             <a:off x="2286000" y="1914436"/>
-            <a:ext cx="4572000" cy="1477328"/>
+            <a:ext cx="4572000" cy="646331"/>
           </a:xfrm>
           <a:prstGeom prst="rect">
             <a:avLst/>
@@ -4417,8 +4417,13 @@
           <a:p>
             <a:r>
               <a:rPr lang="en-US" dirty="0"/>
-              <a:t>E:\udemy\Learn MongoDB Leading NoSQL Database from scratch\[Tutsgalaxy.com] - Learn MongoDB Leading NoSQL Database from scratch\05 MongoDB CRUD Operations - Create Read Update and Delete</a:t>
-            </a:r>
+              <a:t>06 Performance tuning with Indexes in </a:t>
+            </a:r>
+            <a:r>
+              <a:rPr lang="en-US" dirty="0" err="1"/>
+              <a:t>MongoDB_d</a:t>
+            </a:r>
+            <a:endParaRPr lang="en-US" dirty="0"/>
           </a:p>
         </p:txBody>
       </p:sp>
